--- a/PPT's/JIRA.pptx
+++ b/PPT's/JIRA.pptx
@@ -265,7 +265,7 @@
           <a:p>
             <a:fld id="{7C878B29-CF7B-4D75-ACF8-5EF86507C452}" type="datetimeFigureOut">
               <a:rPr lang="en-IN" smtClean="0"/>
-              <a:t>08-12-2021</a:t>
+              <a:t>10-12-2021</a:t>
             </a:fld>
             <a:endParaRPr lang="en-IN"/>
           </a:p>
@@ -465,7 +465,7 @@
           <a:p>
             <a:fld id="{7C878B29-CF7B-4D75-ACF8-5EF86507C452}" type="datetimeFigureOut">
               <a:rPr lang="en-IN" smtClean="0"/>
-              <a:t>08-12-2021</a:t>
+              <a:t>10-12-2021</a:t>
             </a:fld>
             <a:endParaRPr lang="en-IN"/>
           </a:p>
@@ -675,7 +675,7 @@
           <a:p>
             <a:fld id="{7C878B29-CF7B-4D75-ACF8-5EF86507C452}" type="datetimeFigureOut">
               <a:rPr lang="en-IN" smtClean="0"/>
-              <a:t>08-12-2021</a:t>
+              <a:t>10-12-2021</a:t>
             </a:fld>
             <a:endParaRPr lang="en-IN"/>
           </a:p>
@@ -875,7 +875,7 @@
           <a:p>
             <a:fld id="{7C878B29-CF7B-4D75-ACF8-5EF86507C452}" type="datetimeFigureOut">
               <a:rPr lang="en-IN" smtClean="0"/>
-              <a:t>08-12-2021</a:t>
+              <a:t>10-12-2021</a:t>
             </a:fld>
             <a:endParaRPr lang="en-IN"/>
           </a:p>
@@ -1151,7 +1151,7 @@
           <a:p>
             <a:fld id="{7C878B29-CF7B-4D75-ACF8-5EF86507C452}" type="datetimeFigureOut">
               <a:rPr lang="en-IN" smtClean="0"/>
-              <a:t>08-12-2021</a:t>
+              <a:t>10-12-2021</a:t>
             </a:fld>
             <a:endParaRPr lang="en-IN"/>
           </a:p>
@@ -1419,7 +1419,7 @@
           <a:p>
             <a:fld id="{7C878B29-CF7B-4D75-ACF8-5EF86507C452}" type="datetimeFigureOut">
               <a:rPr lang="en-IN" smtClean="0"/>
-              <a:t>08-12-2021</a:t>
+              <a:t>10-12-2021</a:t>
             </a:fld>
             <a:endParaRPr lang="en-IN"/>
           </a:p>
@@ -1834,7 +1834,7 @@
           <a:p>
             <a:fld id="{7C878B29-CF7B-4D75-ACF8-5EF86507C452}" type="datetimeFigureOut">
               <a:rPr lang="en-IN" smtClean="0"/>
-              <a:t>08-12-2021</a:t>
+              <a:t>10-12-2021</a:t>
             </a:fld>
             <a:endParaRPr lang="en-IN"/>
           </a:p>
@@ -1976,7 +1976,7 @@
           <a:p>
             <a:fld id="{7C878B29-CF7B-4D75-ACF8-5EF86507C452}" type="datetimeFigureOut">
               <a:rPr lang="en-IN" smtClean="0"/>
-              <a:t>08-12-2021</a:t>
+              <a:t>10-12-2021</a:t>
             </a:fld>
             <a:endParaRPr lang="en-IN"/>
           </a:p>
@@ -2089,7 +2089,7 @@
           <a:p>
             <a:fld id="{7C878B29-CF7B-4D75-ACF8-5EF86507C452}" type="datetimeFigureOut">
               <a:rPr lang="en-IN" smtClean="0"/>
-              <a:t>08-12-2021</a:t>
+              <a:t>10-12-2021</a:t>
             </a:fld>
             <a:endParaRPr lang="en-IN"/>
           </a:p>
@@ -2402,7 +2402,7 @@
           <a:p>
             <a:fld id="{7C878B29-CF7B-4D75-ACF8-5EF86507C452}" type="datetimeFigureOut">
               <a:rPr lang="en-IN" smtClean="0"/>
-              <a:t>08-12-2021</a:t>
+              <a:t>10-12-2021</a:t>
             </a:fld>
             <a:endParaRPr lang="en-IN"/>
           </a:p>
@@ -2691,7 +2691,7 @@
           <a:p>
             <a:fld id="{7C878B29-CF7B-4D75-ACF8-5EF86507C452}" type="datetimeFigureOut">
               <a:rPr lang="en-IN" smtClean="0"/>
-              <a:t>08-12-2021</a:t>
+              <a:t>10-12-2021</a:t>
             </a:fld>
             <a:endParaRPr lang="en-IN"/>
           </a:p>
@@ -2934,7 +2934,7 @@
           <a:p>
             <a:fld id="{7C878B29-CF7B-4D75-ACF8-5EF86507C452}" type="datetimeFigureOut">
               <a:rPr lang="en-IN" smtClean="0"/>
-              <a:t>08-12-2021</a:t>
+              <a:t>10-12-2021</a:t>
             </a:fld>
             <a:endParaRPr lang="en-IN"/>
           </a:p>
@@ -3380,22 +3380,18 @@
           <a:lstStyle/>
           <a:p>
             <a:r>
-              <a:rPr lang="en-IN" sz="4800" u="sng" dirty="0">
+              <a:rPr lang="en-IN" sz="4400" u="sng" dirty="0">
                 <a:latin typeface="Algerian" panose="04020705040A02060702" pitchFamily="82" charset="0"/>
               </a:rPr>
               <a:t>JIRA- </a:t>
             </a:r>
             <a:r>
-              <a:rPr lang="en-IN" sz="3200" u="sng" dirty="0"/>
-              <a:t>A</a:t>
-            </a:r>
-            <a:r>
               <a:rPr lang="en-IN" sz="4400" u="sng" dirty="0"/>
-              <a:t> </a:t>
-            </a:r>
-            <a:r>
-              <a:rPr lang="en-IN" sz="3200" u="sng" dirty="0"/>
-              <a:t>Project Management Tool</a:t>
+              <a:t>A Project Management Tool</a:t>
+            </a:r>
+            <a:r>
+              <a:rPr lang="en-IN" u="sng" dirty="0"/>
+              <a:t/>
             </a:r>
             <a:br>
               <a:rPr lang="en-IN" u="sng" dirty="0"/>
